--- a/doc/2.TSS介绍.pptx
+++ b/doc/2.TSS介绍.pptx
@@ -5,7 +5,7 @@
     <p:sldMasterId id="2147483648" r:id="rId1"/>
   </p:sldMasterIdLst>
   <p:notesMasterIdLst>
-    <p:notesMasterId r:id="rId11"/>
+    <p:notesMasterId r:id="rId10"/>
   </p:notesMasterIdLst>
   <p:sldIdLst>
     <p:sldId id="256" r:id="rId2"/>
@@ -14,9 +14,8 @@
     <p:sldId id="258" r:id="rId5"/>
     <p:sldId id="265" r:id="rId6"/>
     <p:sldId id="264" r:id="rId7"/>
-    <p:sldId id="261" r:id="rId8"/>
-    <p:sldId id="262" r:id="rId9"/>
-    <p:sldId id="263" r:id="rId10"/>
+    <p:sldId id="262" r:id="rId8"/>
+    <p:sldId id="263" r:id="rId9"/>
   </p:sldIdLst>
   <p:sldSz cx="9144000" cy="6858000" type="screen4x3"/>
   <p:notesSz cx="6858000" cy="9144000"/>
@@ -2494,22 +2493,22 @@
     </dgm:pt>
   </dgm:ptLst>
   <dgm:cxnLst>
+    <dgm:cxn modelId="{48B83CEB-A7E9-2140-B256-D4CC7BB80AD9}" type="presOf" srcId="{36516714-8162-5144-A8CC-C0753DB82913}" destId="{AEBB08C9-61E6-C146-922F-C57266B3D825}" srcOrd="0" destOrd="0" presId="urn:microsoft.com/office/officeart/2005/8/layout/vProcess5"/>
     <dgm:cxn modelId="{3FB589E4-F0FA-3848-9E5A-DAF8073C7B58}" type="presOf" srcId="{13CEE797-EC25-2840-9E14-AF753D729B1C}" destId="{884262D5-C7B5-DB4A-85CE-CA621DF18046}" srcOrd="0" destOrd="0" presId="urn:microsoft.com/office/officeart/2005/8/layout/vProcess5"/>
     <dgm:cxn modelId="{45764027-FE24-454A-9A7F-660F95A4832A}" srcId="{13CEE797-EC25-2840-9E14-AF753D729B1C}" destId="{85BDC32B-5805-7B47-936F-8C8A98BD538B}" srcOrd="3" destOrd="0" parTransId="{7D22FF3F-575A-F94E-A718-BE3F0BB8F4B9}" sibTransId="{CEB5563B-CC2C-024E-8E9E-B317C10F24CD}"/>
+    <dgm:cxn modelId="{69E404BF-BEE6-4447-B3A5-1095221D3020}" type="presOf" srcId="{5D2985FC-6F7B-1049-9FA8-536DED263B26}" destId="{8838D7D6-6CF3-F547-84B6-2B214BAB1DEE}" srcOrd="0" destOrd="0" presId="urn:microsoft.com/office/officeart/2005/8/layout/vProcess5"/>
+    <dgm:cxn modelId="{D2B96F92-9A1D-8F4D-A9AE-CB3E69037046}" type="presOf" srcId="{83C728A1-102A-5749-BD87-B2F9F148C495}" destId="{8C4D8EF2-F1EC-2F42-A9D1-BA3BE347BB0A}" srcOrd="1" destOrd="0" presId="urn:microsoft.com/office/officeart/2005/8/layout/vProcess5"/>
+    <dgm:cxn modelId="{7ADDBA70-6219-014C-A81F-D0E1F07ED375}" srcId="{13CEE797-EC25-2840-9E14-AF753D729B1C}" destId="{83C728A1-102A-5749-BD87-B2F9F148C495}" srcOrd="2" destOrd="0" parTransId="{44B35C72-E873-E34A-B1FC-9E30F1BF486A}" sibTransId="{36516714-8162-5144-A8CC-C0753DB82913}"/>
+    <dgm:cxn modelId="{B234DE61-9DB3-F34A-A7A0-86AA6D2A9DA3}" type="presOf" srcId="{85BDC32B-5805-7B47-936F-8C8A98BD538B}" destId="{083A12FC-7023-B14C-A7EC-F163188C9705}" srcOrd="0" destOrd="0" presId="urn:microsoft.com/office/officeart/2005/8/layout/vProcess5"/>
+    <dgm:cxn modelId="{A4AEDF06-7C20-0348-BF02-D84F0CD2CF54}" type="presOf" srcId="{41DA5D7B-4FE7-C141-BF0F-3E907BD2C294}" destId="{98725C2E-BE62-4E46-8006-EE42EF1B18DB}" srcOrd="1" destOrd="0" presId="urn:microsoft.com/office/officeart/2005/8/layout/vProcess5"/>
     <dgm:cxn modelId="{1E816642-21D8-274F-B73F-4A5B3D21E7B9}" srcId="{13CEE797-EC25-2840-9E14-AF753D729B1C}" destId="{41DA5D7B-4FE7-C141-BF0F-3E907BD2C294}" srcOrd="0" destOrd="0" parTransId="{99C118E5-5D36-1045-A1A3-CB3D6FC81E0B}" sibTransId="{3D695AD3-EC58-6B4A-BE03-F0AF4A1414E7}"/>
-    <dgm:cxn modelId="{D2B96F92-9A1D-8F4D-A9AE-CB3E69037046}" type="presOf" srcId="{83C728A1-102A-5749-BD87-B2F9F148C495}" destId="{8C4D8EF2-F1EC-2F42-A9D1-BA3BE347BB0A}" srcOrd="1" destOrd="0" presId="urn:microsoft.com/office/officeart/2005/8/layout/vProcess5"/>
+    <dgm:cxn modelId="{F199BCB9-9C01-E348-B6A2-70FE3A0CB265}" type="presOf" srcId="{83C728A1-102A-5749-BD87-B2F9F148C495}" destId="{336B6967-A0CA-5241-AF04-3D67BBBC6615}" srcOrd="0" destOrd="0" presId="urn:microsoft.com/office/officeart/2005/8/layout/vProcess5"/>
+    <dgm:cxn modelId="{A973AF75-0C5F-B14B-829E-73CFE7E27D50}" type="presOf" srcId="{85BDC32B-5805-7B47-936F-8C8A98BD538B}" destId="{CC40DAA5-D126-2C4C-95D1-DC4C83937139}" srcOrd="1" destOrd="0" presId="urn:microsoft.com/office/officeart/2005/8/layout/vProcess5"/>
+    <dgm:cxn modelId="{B6048CC8-908E-3C42-833E-7B4BD958BE04}" srcId="{13CEE797-EC25-2840-9E14-AF753D729B1C}" destId="{E50FB9C6-2446-2047-8929-9DAFD49E56AF}" srcOrd="1" destOrd="0" parTransId="{442D992C-7699-AC4E-83FF-12C9AEE6B895}" sibTransId="{5D2985FC-6F7B-1049-9FA8-536DED263B26}"/>
     <dgm:cxn modelId="{689CD42E-1B73-E74A-860E-C77359FEEDDF}" type="presOf" srcId="{E50FB9C6-2446-2047-8929-9DAFD49E56AF}" destId="{490DFFAC-55AC-C141-A42D-4F370348A7A0}" srcOrd="1" destOrd="0" presId="urn:microsoft.com/office/officeart/2005/8/layout/vProcess5"/>
-    <dgm:cxn modelId="{48B83CEB-A7E9-2140-B256-D4CC7BB80AD9}" type="presOf" srcId="{36516714-8162-5144-A8CC-C0753DB82913}" destId="{AEBB08C9-61E6-C146-922F-C57266B3D825}" srcOrd="0" destOrd="0" presId="urn:microsoft.com/office/officeart/2005/8/layout/vProcess5"/>
-    <dgm:cxn modelId="{A4AEDF06-7C20-0348-BF02-D84F0CD2CF54}" type="presOf" srcId="{41DA5D7B-4FE7-C141-BF0F-3E907BD2C294}" destId="{98725C2E-BE62-4E46-8006-EE42EF1B18DB}" srcOrd="1" destOrd="0" presId="urn:microsoft.com/office/officeart/2005/8/layout/vProcess5"/>
-    <dgm:cxn modelId="{B234DE61-9DB3-F34A-A7A0-86AA6D2A9DA3}" type="presOf" srcId="{85BDC32B-5805-7B47-936F-8C8A98BD538B}" destId="{083A12FC-7023-B14C-A7EC-F163188C9705}" srcOrd="0" destOrd="0" presId="urn:microsoft.com/office/officeart/2005/8/layout/vProcess5"/>
-    <dgm:cxn modelId="{B6048CC8-908E-3C42-833E-7B4BD958BE04}" srcId="{13CEE797-EC25-2840-9E14-AF753D729B1C}" destId="{E50FB9C6-2446-2047-8929-9DAFD49E56AF}" srcOrd="1" destOrd="0" parTransId="{442D992C-7699-AC4E-83FF-12C9AEE6B895}" sibTransId="{5D2985FC-6F7B-1049-9FA8-536DED263B26}"/>
+    <dgm:cxn modelId="{FF996C2A-5616-824F-B0AD-0B08DD54278B}" type="presOf" srcId="{3D695AD3-EC58-6B4A-BE03-F0AF4A1414E7}" destId="{EB647195-31B1-0148-9FC9-211F59EA83DA}" srcOrd="0" destOrd="0" presId="urn:microsoft.com/office/officeart/2005/8/layout/vProcess5"/>
+    <dgm:cxn modelId="{1E0F5C0D-EE37-1B4C-943A-6162CB1E2159}" type="presOf" srcId="{E50FB9C6-2446-2047-8929-9DAFD49E56AF}" destId="{4D25455D-C67A-1C4F-BB4D-FC72A3A282E7}" srcOrd="0" destOrd="0" presId="urn:microsoft.com/office/officeart/2005/8/layout/vProcess5"/>
     <dgm:cxn modelId="{F0DC6922-D2D1-0048-A518-1A7452CDB9A8}" type="presOf" srcId="{41DA5D7B-4FE7-C141-BF0F-3E907BD2C294}" destId="{55E5ACA5-479B-3947-9AC0-E3E7A75094AB}" srcOrd="0" destOrd="0" presId="urn:microsoft.com/office/officeart/2005/8/layout/vProcess5"/>
-    <dgm:cxn modelId="{FF996C2A-5616-824F-B0AD-0B08DD54278B}" type="presOf" srcId="{3D695AD3-EC58-6B4A-BE03-F0AF4A1414E7}" destId="{EB647195-31B1-0148-9FC9-211F59EA83DA}" srcOrd="0" destOrd="0" presId="urn:microsoft.com/office/officeart/2005/8/layout/vProcess5"/>
-    <dgm:cxn modelId="{7ADDBA70-6219-014C-A81F-D0E1F07ED375}" srcId="{13CEE797-EC25-2840-9E14-AF753D729B1C}" destId="{83C728A1-102A-5749-BD87-B2F9F148C495}" srcOrd="2" destOrd="0" parTransId="{44B35C72-E873-E34A-B1FC-9E30F1BF486A}" sibTransId="{36516714-8162-5144-A8CC-C0753DB82913}"/>
-    <dgm:cxn modelId="{A973AF75-0C5F-B14B-829E-73CFE7E27D50}" type="presOf" srcId="{85BDC32B-5805-7B47-936F-8C8A98BD538B}" destId="{CC40DAA5-D126-2C4C-95D1-DC4C83937139}" srcOrd="1" destOrd="0" presId="urn:microsoft.com/office/officeart/2005/8/layout/vProcess5"/>
-    <dgm:cxn modelId="{1E0F5C0D-EE37-1B4C-943A-6162CB1E2159}" type="presOf" srcId="{E50FB9C6-2446-2047-8929-9DAFD49E56AF}" destId="{4D25455D-C67A-1C4F-BB4D-FC72A3A282E7}" srcOrd="0" destOrd="0" presId="urn:microsoft.com/office/officeart/2005/8/layout/vProcess5"/>
-    <dgm:cxn modelId="{69E404BF-BEE6-4447-B3A5-1095221D3020}" type="presOf" srcId="{5D2985FC-6F7B-1049-9FA8-536DED263B26}" destId="{8838D7D6-6CF3-F547-84B6-2B214BAB1DEE}" srcOrd="0" destOrd="0" presId="urn:microsoft.com/office/officeart/2005/8/layout/vProcess5"/>
-    <dgm:cxn modelId="{F199BCB9-9C01-E348-B6A2-70FE3A0CB265}" type="presOf" srcId="{83C728A1-102A-5749-BD87-B2F9F148C495}" destId="{336B6967-A0CA-5241-AF04-3D67BBBC6615}" srcOrd="0" destOrd="0" presId="urn:microsoft.com/office/officeart/2005/8/layout/vProcess5"/>
     <dgm:cxn modelId="{F558A5BA-4B77-904B-B5C2-093252F7EC14}" type="presParOf" srcId="{884262D5-C7B5-DB4A-85CE-CA621DF18046}" destId="{A0AD5345-AF13-6F49-93AA-86B71E777619}" srcOrd="0" destOrd="0" presId="urn:microsoft.com/office/officeart/2005/8/layout/vProcess5"/>
     <dgm:cxn modelId="{E2D3F1F4-E847-1846-AD2E-4FCE17A33E7B}" type="presParOf" srcId="{884262D5-C7B5-DB4A-85CE-CA621DF18046}" destId="{55E5ACA5-479B-3947-9AC0-E3E7A75094AB}" srcOrd="1" destOrd="0" presId="urn:microsoft.com/office/officeart/2005/8/layout/vProcess5"/>
     <dgm:cxn modelId="{DD7C44E2-2FF1-B342-A717-9D1C22C65D93}" type="presParOf" srcId="{884262D5-C7B5-DB4A-85CE-CA621DF18046}" destId="{4D25455D-C67A-1C4F-BB4D-FC72A3A282E7}" srcOrd="2" destOrd="0" presId="urn:microsoft.com/office/officeart/2005/8/layout/vProcess5"/>
@@ -7896,7 +7895,7 @@
           <a:p>
             <a:fld id="{B86859C3-2692-784F-AC34-40A9E7B69405}" type="datetimeFigureOut">
               <a:rPr kumimoji="1" lang="zh-CN" altLang="en-US" smtClean="0"/>
-              <a:t>17/2/23</a:t>
+              <a:t>17/3/2</a:t>
             </a:fld>
             <a:endParaRPr kumimoji="1" lang="zh-CN" altLang="en-US"/>
           </a:p>
@@ -8547,18 +8546,7 @@
                 <a:ea typeface="+mn-ea"/>
                 <a:cs typeface="+mn-cs"/>
               </a:rPr>
-              <a:t>人、流程、数据  三位</a:t>
-            </a:r>
-            <a:r>
-              <a:rPr lang="zh-CN" altLang="en-US" sz="1200" kern="1200" dirty="0" smtClean="0">
-                <a:solidFill>
-                  <a:schemeClr val="tx1"/>
-                </a:solidFill>
-                <a:latin typeface="+mn-lt"/>
-                <a:ea typeface="+mn-ea"/>
-                <a:cs typeface="+mn-cs"/>
-              </a:rPr>
-              <a:t>一体</a:t>
+              <a:t>人、流程、数据  三位一体</a:t>
             </a:r>
             <a:endParaRPr lang="en-US" altLang="zh-CN" sz="1200" kern="1200" dirty="0" smtClean="0">
               <a:solidFill>
@@ -8759,62 +8747,7 @@
                 <a:ea typeface="+mn-ea"/>
                 <a:cs typeface="+mn-cs"/>
               </a:rPr>
-              <a:t>互联网的核心精神之一，便是分享思维</a:t>
-            </a:r>
-            <a:r>
-              <a:rPr lang="zh-CN" altLang="en-US" sz="1200" kern="1200" dirty="0" smtClean="0">
-                <a:solidFill>
-                  <a:schemeClr val="tx1"/>
-                </a:solidFill>
-                <a:latin typeface="+mn-lt"/>
-                <a:ea typeface="+mn-ea"/>
-                <a:cs typeface="+mn-cs"/>
-              </a:rPr>
-              <a:t>。在分</a:t>
-            </a:r>
-            <a:r>
-              <a:rPr lang="zh-CN" altLang="en-US" sz="1200" kern="1200" dirty="0" smtClean="0">
-                <a:solidFill>
-                  <a:schemeClr val="tx1"/>
-                </a:solidFill>
-                <a:latin typeface="+mn-lt"/>
-                <a:ea typeface="+mn-ea"/>
-                <a:cs typeface="+mn-cs"/>
-              </a:rPr>
-              <a:t>享模式下，资源越用越有价值</a:t>
-            </a:r>
-            <a:r>
-              <a:rPr lang="zh-CN" altLang="en-US" sz="1200" kern="1200" dirty="0" smtClean="0">
-                <a:solidFill>
-                  <a:schemeClr val="tx1"/>
-                </a:solidFill>
-                <a:latin typeface="+mn-lt"/>
-                <a:ea typeface="+mn-ea"/>
-                <a:cs typeface="+mn-cs"/>
-              </a:rPr>
-              <a:t>。分享就是获</a:t>
-            </a:r>
-            <a:r>
-              <a:rPr lang="zh-CN" altLang="en-US" sz="1200" kern="1200" dirty="0" smtClean="0">
-                <a:solidFill>
-                  <a:schemeClr val="tx1"/>
-                </a:solidFill>
-                <a:latin typeface="+mn-lt"/>
-                <a:ea typeface="+mn-ea"/>
-                <a:cs typeface="+mn-cs"/>
-              </a:rPr>
-              <a:t>取，消耗就是积累</a:t>
-            </a:r>
-            <a:r>
-              <a:rPr lang="zh-CN" altLang="en-US" sz="1200" kern="1200" dirty="0" smtClean="0">
-                <a:solidFill>
-                  <a:schemeClr val="tx1"/>
-                </a:solidFill>
-                <a:latin typeface="+mn-lt"/>
-                <a:ea typeface="+mn-ea"/>
-                <a:cs typeface="+mn-cs"/>
-              </a:rPr>
-              <a:t>。</a:t>
+              <a:t>互联网的核心精神之一，便是分享思维。在分享模式下，资源越用越有价值。分享就是获取，消耗就是积累。</a:t>
             </a:r>
             <a:endParaRPr lang="en-US" altLang="zh-CN" sz="1200" kern="1200" dirty="0" smtClean="0">
               <a:solidFill>
@@ -9573,25 +9506,28 @@
           <a:lstStyle/>
           <a:p>
             <a:r>
+              <a:rPr kumimoji="1" lang="zh-CN" altLang="en-US" dirty="0" smtClean="0"/>
+              <a:t>数据产品 </a:t>
+            </a:r>
+            <a:r>
               <a:rPr kumimoji="1" lang="en-US" altLang="zh-CN" dirty="0" smtClean="0"/>
-              <a:t>【</a:t>
+              <a:t>=</a:t>
             </a:r>
             <a:r>
               <a:rPr kumimoji="1" lang="zh-CN" altLang="en-US" dirty="0" smtClean="0"/>
-              <a:t>百度百科</a:t>
-            </a:r>
-            <a:r>
-              <a:rPr kumimoji="1" lang="en-US" altLang="zh-CN" dirty="0" smtClean="0"/>
-              <a:t>】</a:t>
-            </a:r>
+              <a:t> 一整套完善的解决方案</a:t>
+            </a:r>
+            <a:endParaRPr kumimoji="1" lang="en-US" altLang="zh-CN" dirty="0" smtClean="0"/>
+          </a:p>
+          <a:p>
+            <a:endParaRPr kumimoji="1" lang="en-US" altLang="zh-CN" dirty="0" smtClean="0"/>
+          </a:p>
+          <a:p>
             <a:r>
               <a:rPr kumimoji="1" lang="zh-CN" altLang="en-US" dirty="0" smtClean="0"/>
-              <a:t>数据分析是指用适当的统计分析方法对收集来的大量数据进行分析，提取有用信息和形成结论而对数据加以详细研究和概括总结的过程。这一过程也是质量管理体系的支持过程。在实用中，数据分析可帮助人们作出判断，以便采取适当行动。</a:t>
-            </a:r>
-            <a:endParaRPr kumimoji="1" lang="en-US" altLang="zh-CN" dirty="0" smtClean="0"/>
-          </a:p>
-          <a:p>
-            <a:endParaRPr kumimoji="1" lang="en-US" altLang="zh-CN" dirty="0" smtClean="0"/>
+              <a:t>数据分析不再只是分析报告、数据图表，它成为人们构建这个流程的一种贯穿始终的思想，流程中的每个环节都会有数据分析的内容存在，以数据的结果驱动产品、渠道、投入资源等等内容的配合，共同构成该业务场景下的完整业务流程。这一流程不能是靠手工来完成，一定是自动化的，人只是这一流程中起决策作用的节点而已。</a:t>
+            </a:r>
+            <a:endParaRPr kumimoji="1" lang="zh-CN" altLang="en-US" dirty="0"/>
           </a:p>
         </p:txBody>
       </p:sp>
@@ -9621,7 +9557,7 @@
     </p:spTree>
     <p:extLst>
       <p:ext uri="{BB962C8B-B14F-4D97-AF65-F5344CB8AC3E}">
-        <p14:creationId xmlns:p14="http://schemas.microsoft.com/office/powerpoint/2010/main" val="3861733618"/>
+        <p14:creationId xmlns:p14="http://schemas.microsoft.com/office/powerpoint/2010/main" val="747145459"/>
       </p:ext>
     </p:extLst>
   </p:cSld>
@@ -9675,28 +9611,6 @@
           <a:bodyPr/>
           <a:lstStyle/>
           <a:p>
-            <a:r>
-              <a:rPr kumimoji="1" lang="zh-CN" altLang="en-US" dirty="0" smtClean="0"/>
-              <a:t>数据产品 </a:t>
-            </a:r>
-            <a:r>
-              <a:rPr kumimoji="1" lang="en-US" altLang="zh-CN" dirty="0" smtClean="0"/>
-              <a:t>=</a:t>
-            </a:r>
-            <a:r>
-              <a:rPr kumimoji="1" lang="zh-CN" altLang="en-US" dirty="0" smtClean="0"/>
-              <a:t> 一整套完善的解决方案</a:t>
-            </a:r>
-            <a:endParaRPr kumimoji="1" lang="en-US" altLang="zh-CN" dirty="0" smtClean="0"/>
-          </a:p>
-          <a:p>
-            <a:endParaRPr kumimoji="1" lang="en-US" altLang="zh-CN" dirty="0" smtClean="0"/>
-          </a:p>
-          <a:p>
-            <a:r>
-              <a:rPr kumimoji="1" lang="zh-CN" altLang="en-US" dirty="0" smtClean="0"/>
-              <a:t>数据分析不再只是分析报告、数据图表，它成为人们构建这个流程的一种贯穿始终的思想，流程中的每个环节都会有数据分析的内容存在，以数据的结果驱动产品、渠道、投入资源等等内容的配合，共同构成该业务场景下的完整业务流程。这一流程不能是靠手工来完成，一定是自动化的，人只是这一流程中起决策作用的节点而已。</a:t>
-            </a:r>
             <a:endParaRPr kumimoji="1" lang="zh-CN" altLang="en-US" dirty="0"/>
           </a:p>
         </p:txBody>
@@ -9719,90 +9633,6 @@
             <a:fld id="{30E5BD0C-2667-BA41-90C5-58CB9DE5FD83}" type="slidenum">
               <a:rPr kumimoji="1" lang="zh-CN" altLang="en-US" smtClean="0"/>
               <a:t>8</a:t>
-            </a:fld>
-            <a:endParaRPr kumimoji="1" lang="zh-CN" altLang="en-US"/>
-          </a:p>
-        </p:txBody>
-      </p:sp>
-    </p:spTree>
-    <p:extLst>
-      <p:ext uri="{BB962C8B-B14F-4D97-AF65-F5344CB8AC3E}">
-        <p14:creationId xmlns:p14="http://schemas.microsoft.com/office/powerpoint/2010/main" val="747145459"/>
-      </p:ext>
-    </p:extLst>
-  </p:cSld>
-  <p:clrMapOvr>
-    <a:masterClrMapping/>
-  </p:clrMapOvr>
-</p:notes>
-</file>
-
-<file path=ppt/notesSlides/notesSlide9.xml><?xml version="1.0" encoding="utf-8"?>
-<p:notes xmlns:a="http://schemas.openxmlformats.org/drawingml/2006/main" xmlns:r="http://schemas.openxmlformats.org/officeDocument/2006/relationships" xmlns:p="http://schemas.openxmlformats.org/presentationml/2006/main">
-  <p:cSld>
-    <p:spTree>
-      <p:nvGrpSpPr>
-        <p:cNvPr id="1" name=""/>
-        <p:cNvGrpSpPr/>
-        <p:nvPr/>
-      </p:nvGrpSpPr>
-      <p:grpSpPr>
-        <a:xfrm>
-          <a:off x="0" y="0"/>
-          <a:ext cx="0" cy="0"/>
-          <a:chOff x="0" y="0"/>
-          <a:chExt cx="0" cy="0"/>
-        </a:xfrm>
-      </p:grpSpPr>
-      <p:sp>
-        <p:nvSpPr>
-          <p:cNvPr id="2" name="幻灯片图像占位符 1"/>
-          <p:cNvSpPr>
-            <a:spLocks noGrp="1" noRot="1" noChangeAspect="1"/>
-          </p:cNvSpPr>
-          <p:nvPr>
-            <p:ph type="sldImg"/>
-          </p:nvPr>
-        </p:nvSpPr>
-        <p:spPr/>
-      </p:sp>
-      <p:sp>
-        <p:nvSpPr>
-          <p:cNvPr id="3" name="备注占位符 2"/>
-          <p:cNvSpPr>
-            <a:spLocks noGrp="1"/>
-          </p:cNvSpPr>
-          <p:nvPr>
-            <p:ph type="body" idx="1"/>
-          </p:nvPr>
-        </p:nvSpPr>
-        <p:spPr/>
-        <p:txBody>
-          <a:bodyPr/>
-          <a:lstStyle/>
-          <a:p>
-            <a:endParaRPr kumimoji="1" lang="zh-CN" altLang="en-US" dirty="0"/>
-          </a:p>
-        </p:txBody>
-      </p:sp>
-      <p:sp>
-        <p:nvSpPr>
-          <p:cNvPr id="4" name="幻灯片编号占位符 3"/>
-          <p:cNvSpPr>
-            <a:spLocks noGrp="1"/>
-          </p:cNvSpPr>
-          <p:nvPr>
-            <p:ph type="sldNum" sz="quarter" idx="10"/>
-          </p:nvPr>
-        </p:nvSpPr>
-        <p:spPr/>
-        <p:txBody>
-          <a:bodyPr/>
-          <a:lstStyle/>
-          <a:p>
-            <a:fld id="{30E5BD0C-2667-BA41-90C5-58CB9DE5FD83}" type="slidenum">
-              <a:rPr kumimoji="1" lang="zh-CN" altLang="en-US" smtClean="0"/>
-              <a:t>9</a:t>
             </a:fld>
             <a:endParaRPr kumimoji="1" lang="zh-CN" altLang="en-US"/>
           </a:p>
@@ -10002,7 +9832,7 @@
           <a:p>
             <a:fld id="{D7B12BEA-236C-5749-AF49-060B228B08C5}" type="datetimeFigureOut">
               <a:rPr kumimoji="1" lang="zh-CN" altLang="en-US" smtClean="0"/>
-              <a:t>17/2/23</a:t>
+              <a:t>17/3/2</a:t>
             </a:fld>
             <a:endParaRPr kumimoji="1" lang="zh-CN" altLang="en-US"/>
           </a:p>
@@ -10172,7 +10002,7 @@
           <a:p>
             <a:fld id="{D7B12BEA-236C-5749-AF49-060B228B08C5}" type="datetimeFigureOut">
               <a:rPr kumimoji="1" lang="zh-CN" altLang="en-US" smtClean="0"/>
-              <a:t>17/2/23</a:t>
+              <a:t>17/3/2</a:t>
             </a:fld>
             <a:endParaRPr kumimoji="1" lang="zh-CN" altLang="en-US"/>
           </a:p>
@@ -10352,7 +10182,7 @@
           <a:p>
             <a:fld id="{D7B12BEA-236C-5749-AF49-060B228B08C5}" type="datetimeFigureOut">
               <a:rPr kumimoji="1" lang="zh-CN" altLang="en-US" smtClean="0"/>
-              <a:t>17/2/23</a:t>
+              <a:t>17/3/2</a:t>
             </a:fld>
             <a:endParaRPr kumimoji="1" lang="zh-CN" altLang="en-US"/>
           </a:p>
@@ -10522,7 +10352,7 @@
           <a:p>
             <a:fld id="{D7B12BEA-236C-5749-AF49-060B228B08C5}" type="datetimeFigureOut">
               <a:rPr kumimoji="1" lang="zh-CN" altLang="en-US" smtClean="0"/>
-              <a:t>17/2/23</a:t>
+              <a:t>17/3/2</a:t>
             </a:fld>
             <a:endParaRPr kumimoji="1" lang="zh-CN" altLang="en-US"/>
           </a:p>
@@ -10768,7 +10598,7 @@
           <a:p>
             <a:fld id="{D7B12BEA-236C-5749-AF49-060B228B08C5}" type="datetimeFigureOut">
               <a:rPr kumimoji="1" lang="zh-CN" altLang="en-US" smtClean="0"/>
-              <a:t>17/2/23</a:t>
+              <a:t>17/3/2</a:t>
             </a:fld>
             <a:endParaRPr kumimoji="1" lang="zh-CN" altLang="en-US"/>
           </a:p>
@@ -11056,7 +10886,7 @@
           <a:p>
             <a:fld id="{D7B12BEA-236C-5749-AF49-060B228B08C5}" type="datetimeFigureOut">
               <a:rPr kumimoji="1" lang="zh-CN" altLang="en-US" smtClean="0"/>
-              <a:t>17/2/23</a:t>
+              <a:t>17/3/2</a:t>
             </a:fld>
             <a:endParaRPr kumimoji="1" lang="zh-CN" altLang="en-US"/>
           </a:p>
@@ -11478,7 +11308,7 @@
           <a:p>
             <a:fld id="{D7B12BEA-236C-5749-AF49-060B228B08C5}" type="datetimeFigureOut">
               <a:rPr kumimoji="1" lang="zh-CN" altLang="en-US" smtClean="0"/>
-              <a:t>17/2/23</a:t>
+              <a:t>17/3/2</a:t>
             </a:fld>
             <a:endParaRPr kumimoji="1" lang="zh-CN" altLang="en-US"/>
           </a:p>
@@ -11596,7 +11426,7 @@
           <a:p>
             <a:fld id="{D7B12BEA-236C-5749-AF49-060B228B08C5}" type="datetimeFigureOut">
               <a:rPr kumimoji="1" lang="zh-CN" altLang="en-US" smtClean="0"/>
-              <a:t>17/2/23</a:t>
+              <a:t>17/3/2</a:t>
             </a:fld>
             <a:endParaRPr kumimoji="1" lang="zh-CN" altLang="en-US"/>
           </a:p>
@@ -11691,7 +11521,7 @@
           <a:p>
             <a:fld id="{D7B12BEA-236C-5749-AF49-060B228B08C5}" type="datetimeFigureOut">
               <a:rPr kumimoji="1" lang="zh-CN" altLang="en-US" smtClean="0"/>
-              <a:t>17/2/23</a:t>
+              <a:t>17/3/2</a:t>
             </a:fld>
             <a:endParaRPr kumimoji="1" lang="zh-CN" altLang="en-US"/>
           </a:p>
@@ -11968,7 +11798,7 @@
           <a:p>
             <a:fld id="{D7B12BEA-236C-5749-AF49-060B228B08C5}" type="datetimeFigureOut">
               <a:rPr kumimoji="1" lang="zh-CN" altLang="en-US" smtClean="0"/>
-              <a:t>17/2/23</a:t>
+              <a:t>17/3/2</a:t>
             </a:fld>
             <a:endParaRPr kumimoji="1" lang="zh-CN" altLang="en-US"/>
           </a:p>
@@ -12221,7 +12051,7 @@
           <a:p>
             <a:fld id="{D7B12BEA-236C-5749-AF49-060B228B08C5}" type="datetimeFigureOut">
               <a:rPr kumimoji="1" lang="zh-CN" altLang="en-US" smtClean="0"/>
-              <a:t>17/2/23</a:t>
+              <a:t>17/3/2</a:t>
             </a:fld>
             <a:endParaRPr kumimoji="1" lang="zh-CN" altLang="en-US"/>
           </a:p>
@@ -12434,7 +12264,7 @@
           <a:p>
             <a:fld id="{D7B12BEA-236C-5749-AF49-060B228B08C5}" type="datetimeFigureOut">
               <a:rPr kumimoji="1" lang="zh-CN" altLang="en-US" smtClean="0"/>
-              <a:t>17/2/23</a:t>
+              <a:t>17/3/2</a:t>
             </a:fld>
             <a:endParaRPr kumimoji="1" lang="zh-CN" altLang="en-US"/>
           </a:p>
@@ -13199,15 +13029,7 @@
             </a:pPr>
             <a:r>
               <a:rPr kumimoji="1" lang="zh-CN" altLang="en-US" sz="2400" dirty="0" smtClean="0"/>
-              <a:t>管理用户</a:t>
-            </a:r>
-            <a:r>
-              <a:rPr kumimoji="1" lang="zh-CN" altLang="en-US" sz="2400" dirty="0" smtClean="0"/>
-              <a:t>、组织、</a:t>
-            </a:r>
-            <a:r>
-              <a:rPr kumimoji="1" lang="zh-CN" altLang="en-US" sz="2400" dirty="0" smtClean="0"/>
-              <a:t>角色</a:t>
+              <a:t>管理用户、组织、角色</a:t>
             </a:r>
             <a:r>
               <a:rPr kumimoji="1" lang="zh-CN" altLang="zh-CN" sz="2400" dirty="0"/>
@@ -13215,11 +13037,7 @@
             </a:r>
             <a:r>
               <a:rPr kumimoji="1" lang="zh-CN" altLang="en-US" sz="2400" dirty="0" smtClean="0"/>
-              <a:t>资源</a:t>
-            </a:r>
-            <a:r>
-              <a:rPr kumimoji="1" lang="zh-CN" altLang="en-US" sz="2400" dirty="0" smtClean="0"/>
-              <a:t>、权限</a:t>
+              <a:t>资源、权限</a:t>
             </a:r>
             <a:endParaRPr kumimoji="1" lang="en-US" altLang="zh-CN" sz="2400" dirty="0" smtClean="0"/>
           </a:p>
@@ -13231,11 +13049,7 @@
             </a:pPr>
             <a:r>
               <a:rPr kumimoji="1" lang="zh-CN" altLang="en-US" sz="2400" dirty="0" smtClean="0"/>
-              <a:t>管理栏</a:t>
-            </a:r>
-            <a:r>
-              <a:rPr kumimoji="1" lang="zh-CN" altLang="en-US" sz="2400" dirty="0" smtClean="0"/>
-              <a:t>目文章</a:t>
+              <a:t>管理栏目文章</a:t>
             </a:r>
             <a:r>
               <a:rPr kumimoji="1" lang="zh-CN" altLang="zh-CN" sz="2400" dirty="0"/>
@@ -13294,11 +13108,7 @@
             </a:pPr>
             <a:r>
               <a:rPr kumimoji="1" lang="zh-CN" altLang="en-US" sz="2400" dirty="0" smtClean="0"/>
-              <a:t>运行监</a:t>
-            </a:r>
-            <a:r>
-              <a:rPr kumimoji="1" lang="zh-CN" altLang="en-US" sz="2400" dirty="0" smtClean="0"/>
-              <a:t>控</a:t>
+              <a:t>运行监控</a:t>
             </a:r>
             <a:endParaRPr kumimoji="1" lang="en-US" altLang="zh-CN" sz="2400" dirty="0" smtClean="0"/>
           </a:p>
@@ -13689,15 +13499,7 @@
             </a:pPr>
             <a:r>
               <a:rPr kumimoji="1" lang="zh-CN" altLang="en-US" sz="2800" dirty="0" smtClean="0"/>
-              <a:t>体现</a:t>
-            </a:r>
-            <a:r>
-              <a:rPr kumimoji="1" lang="zh-CN" altLang="en-US" sz="2800" dirty="0" smtClean="0"/>
-              <a:t>管理思</a:t>
-            </a:r>
-            <a:r>
-              <a:rPr kumimoji="1" lang="zh-CN" altLang="en-US" sz="2800" dirty="0" smtClean="0"/>
-              <a:t>路</a:t>
+              <a:t>体现管理思路</a:t>
             </a:r>
             <a:endParaRPr kumimoji="1" lang="en-US" altLang="zh-CN" sz="2800" dirty="0" smtClean="0"/>
           </a:p>
@@ -13709,19 +13511,7 @@
             </a:pPr>
             <a:r>
               <a:rPr kumimoji="1" lang="zh-CN" altLang="en-US" sz="2800" dirty="0" smtClean="0"/>
-              <a:t>固化</a:t>
-            </a:r>
-            <a:r>
-              <a:rPr kumimoji="1" lang="zh-CN" altLang="en-US" sz="2800" dirty="0" smtClean="0"/>
-              <a:t>操作</a:t>
-            </a:r>
-            <a:r>
-              <a:rPr kumimoji="1" lang="zh-CN" altLang="en-US" sz="2800" dirty="0" smtClean="0"/>
-              <a:t>流</a:t>
-            </a:r>
-            <a:r>
-              <a:rPr kumimoji="1" lang="zh-CN" altLang="en-US" sz="2800" dirty="0" smtClean="0"/>
-              <a:t>程</a:t>
+              <a:t>固化操作流程</a:t>
             </a:r>
             <a:endParaRPr kumimoji="1" lang="en-US" altLang="zh-CN" sz="2800" dirty="0" smtClean="0"/>
           </a:p>
@@ -13836,88 +13626,6 @@
         </p:nvSpPr>
         <p:spPr/>
         <p:txBody>
-          <a:bodyPr/>
-          <a:lstStyle/>
-          <a:p>
-            <a:r>
-              <a:rPr kumimoji="1" lang="zh-CN" altLang="en-US" dirty="0" smtClean="0"/>
-              <a:t>数据分析是一种过程</a:t>
-            </a:r>
-            <a:endParaRPr kumimoji="1" lang="zh-CN" altLang="en-US" dirty="0"/>
-          </a:p>
-        </p:txBody>
-      </p:sp>
-      <p:pic>
-        <p:nvPicPr>
-          <p:cNvPr id="4" name="内容占位符 3"/>
-          <p:cNvPicPr>
-            <a:picLocks noGrp="1" noChangeAspect="1"/>
-          </p:cNvPicPr>
-          <p:nvPr>
-            <p:ph idx="1"/>
-          </p:nvPr>
-        </p:nvPicPr>
-        <p:blipFill rotWithShape="1">
-          <a:blip r:embed="rId3"/>
-          <a:srcRect l="1851" t="24727" r="1647" b="7047"/>
-          <a:stretch/>
-        </p:blipFill>
-        <p:spPr>
-          <a:xfrm>
-            <a:off x="609600" y="2336800"/>
-            <a:ext cx="7941733" cy="3623733"/>
-          </a:xfrm>
-        </p:spPr>
-      </p:pic>
-    </p:spTree>
-    <p:extLst>
-      <p:ext uri="{BB962C8B-B14F-4D97-AF65-F5344CB8AC3E}">
-        <p14:creationId xmlns:p14="http://schemas.microsoft.com/office/powerpoint/2010/main" val="1507134656"/>
-      </p:ext>
-    </p:extLst>
-  </p:cSld>
-  <p:clrMapOvr>
-    <a:masterClrMapping/>
-  </p:clrMapOvr>
-  <p:timing>
-    <p:tnLst>
-      <p:par>
-        <p:cTn xmlns:p14="http://schemas.microsoft.com/office/powerpoint/2010/main" id="1" dur="indefinite" restart="never" nodeType="tmRoot"/>
-      </p:par>
-    </p:tnLst>
-  </p:timing>
-</p:sld>
-</file>
-
-<file path=ppt/slides/slide8.xml><?xml version="1.0" encoding="utf-8"?>
-<p:sld xmlns:a="http://schemas.openxmlformats.org/drawingml/2006/main" xmlns:r="http://schemas.openxmlformats.org/officeDocument/2006/relationships" xmlns:p="http://schemas.openxmlformats.org/presentationml/2006/main">
-  <p:cSld>
-    <p:spTree>
-      <p:nvGrpSpPr>
-        <p:cNvPr id="1" name=""/>
-        <p:cNvGrpSpPr/>
-        <p:nvPr/>
-      </p:nvGrpSpPr>
-      <p:grpSpPr>
-        <a:xfrm>
-          <a:off x="0" y="0"/>
-          <a:ext cx="0" cy="0"/>
-          <a:chOff x="0" y="0"/>
-          <a:chExt cx="0" cy="0"/>
-        </a:xfrm>
-      </p:grpSpPr>
-      <p:sp>
-        <p:nvSpPr>
-          <p:cNvPr id="2" name="标题 1"/>
-          <p:cNvSpPr>
-            <a:spLocks noGrp="1"/>
-          </p:cNvSpPr>
-          <p:nvPr>
-            <p:ph type="title"/>
-          </p:nvPr>
-        </p:nvSpPr>
-        <p:spPr/>
-        <p:txBody>
           <a:bodyPr>
             <a:normAutofit/>
           </a:bodyPr>
@@ -14024,7 +13732,7 @@
 </p:sld>
 </file>
 
-<file path=ppt/slides/slide9.xml><?xml version="1.0" encoding="utf-8"?>
+<file path=ppt/slides/slide8.xml><?xml version="1.0" encoding="utf-8"?>
 <p:sld xmlns:a="http://schemas.openxmlformats.org/drawingml/2006/main" xmlns:r="http://schemas.openxmlformats.org/officeDocument/2006/relationships" xmlns:p="http://schemas.openxmlformats.org/presentationml/2006/main">
   <p:cSld>
     <p:spTree>
@@ -14160,11 +13868,7 @@
             </a:r>
             <a:r>
               <a:rPr kumimoji="1" lang="en-US" altLang="en-US" sz="2800" dirty="0" smtClean="0"/>
-              <a:t>方法</a:t>
-            </a:r>
-            <a:r>
-              <a:rPr kumimoji="1" lang="en-US" altLang="en-US" sz="2800" dirty="0" smtClean="0"/>
-              <a:t>说明</a:t>
+              <a:t>方法说明</a:t>
             </a:r>
           </a:p>
           <a:p>

--- a/doc/2.TSS介绍.pptx
+++ b/doc/2.TSS介绍.pptx
@@ -2493,22 +2493,22 @@
     </dgm:pt>
   </dgm:ptLst>
   <dgm:cxnLst>
-    <dgm:cxn modelId="{48B83CEB-A7E9-2140-B256-D4CC7BB80AD9}" type="presOf" srcId="{36516714-8162-5144-A8CC-C0753DB82913}" destId="{AEBB08C9-61E6-C146-922F-C57266B3D825}" srcOrd="0" destOrd="0" presId="urn:microsoft.com/office/officeart/2005/8/layout/vProcess5"/>
     <dgm:cxn modelId="{3FB589E4-F0FA-3848-9E5A-DAF8073C7B58}" type="presOf" srcId="{13CEE797-EC25-2840-9E14-AF753D729B1C}" destId="{884262D5-C7B5-DB4A-85CE-CA621DF18046}" srcOrd="0" destOrd="0" presId="urn:microsoft.com/office/officeart/2005/8/layout/vProcess5"/>
     <dgm:cxn modelId="{45764027-FE24-454A-9A7F-660F95A4832A}" srcId="{13CEE797-EC25-2840-9E14-AF753D729B1C}" destId="{85BDC32B-5805-7B47-936F-8C8A98BD538B}" srcOrd="3" destOrd="0" parTransId="{7D22FF3F-575A-F94E-A718-BE3F0BB8F4B9}" sibTransId="{CEB5563B-CC2C-024E-8E9E-B317C10F24CD}"/>
+    <dgm:cxn modelId="{1E816642-21D8-274F-B73F-4A5B3D21E7B9}" srcId="{13CEE797-EC25-2840-9E14-AF753D729B1C}" destId="{41DA5D7B-4FE7-C141-BF0F-3E907BD2C294}" srcOrd="0" destOrd="0" parTransId="{99C118E5-5D36-1045-A1A3-CB3D6FC81E0B}" sibTransId="{3D695AD3-EC58-6B4A-BE03-F0AF4A1414E7}"/>
+    <dgm:cxn modelId="{D2B96F92-9A1D-8F4D-A9AE-CB3E69037046}" type="presOf" srcId="{83C728A1-102A-5749-BD87-B2F9F148C495}" destId="{8C4D8EF2-F1EC-2F42-A9D1-BA3BE347BB0A}" srcOrd="1" destOrd="0" presId="urn:microsoft.com/office/officeart/2005/8/layout/vProcess5"/>
+    <dgm:cxn modelId="{689CD42E-1B73-E74A-860E-C77359FEEDDF}" type="presOf" srcId="{E50FB9C6-2446-2047-8929-9DAFD49E56AF}" destId="{490DFFAC-55AC-C141-A42D-4F370348A7A0}" srcOrd="1" destOrd="0" presId="urn:microsoft.com/office/officeart/2005/8/layout/vProcess5"/>
+    <dgm:cxn modelId="{48B83CEB-A7E9-2140-B256-D4CC7BB80AD9}" type="presOf" srcId="{36516714-8162-5144-A8CC-C0753DB82913}" destId="{AEBB08C9-61E6-C146-922F-C57266B3D825}" srcOrd="0" destOrd="0" presId="urn:microsoft.com/office/officeart/2005/8/layout/vProcess5"/>
+    <dgm:cxn modelId="{A4AEDF06-7C20-0348-BF02-D84F0CD2CF54}" type="presOf" srcId="{41DA5D7B-4FE7-C141-BF0F-3E907BD2C294}" destId="{98725C2E-BE62-4E46-8006-EE42EF1B18DB}" srcOrd="1" destOrd="0" presId="urn:microsoft.com/office/officeart/2005/8/layout/vProcess5"/>
+    <dgm:cxn modelId="{B234DE61-9DB3-F34A-A7A0-86AA6D2A9DA3}" type="presOf" srcId="{85BDC32B-5805-7B47-936F-8C8A98BD538B}" destId="{083A12FC-7023-B14C-A7EC-F163188C9705}" srcOrd="0" destOrd="0" presId="urn:microsoft.com/office/officeart/2005/8/layout/vProcess5"/>
+    <dgm:cxn modelId="{B6048CC8-908E-3C42-833E-7B4BD958BE04}" srcId="{13CEE797-EC25-2840-9E14-AF753D729B1C}" destId="{E50FB9C6-2446-2047-8929-9DAFD49E56AF}" srcOrd="1" destOrd="0" parTransId="{442D992C-7699-AC4E-83FF-12C9AEE6B895}" sibTransId="{5D2985FC-6F7B-1049-9FA8-536DED263B26}"/>
+    <dgm:cxn modelId="{F0DC6922-D2D1-0048-A518-1A7452CDB9A8}" type="presOf" srcId="{41DA5D7B-4FE7-C141-BF0F-3E907BD2C294}" destId="{55E5ACA5-479B-3947-9AC0-E3E7A75094AB}" srcOrd="0" destOrd="0" presId="urn:microsoft.com/office/officeart/2005/8/layout/vProcess5"/>
+    <dgm:cxn modelId="{FF996C2A-5616-824F-B0AD-0B08DD54278B}" type="presOf" srcId="{3D695AD3-EC58-6B4A-BE03-F0AF4A1414E7}" destId="{EB647195-31B1-0148-9FC9-211F59EA83DA}" srcOrd="0" destOrd="0" presId="urn:microsoft.com/office/officeart/2005/8/layout/vProcess5"/>
+    <dgm:cxn modelId="{7ADDBA70-6219-014C-A81F-D0E1F07ED375}" srcId="{13CEE797-EC25-2840-9E14-AF753D729B1C}" destId="{83C728A1-102A-5749-BD87-B2F9F148C495}" srcOrd="2" destOrd="0" parTransId="{44B35C72-E873-E34A-B1FC-9E30F1BF486A}" sibTransId="{36516714-8162-5144-A8CC-C0753DB82913}"/>
+    <dgm:cxn modelId="{A973AF75-0C5F-B14B-829E-73CFE7E27D50}" type="presOf" srcId="{85BDC32B-5805-7B47-936F-8C8A98BD538B}" destId="{CC40DAA5-D126-2C4C-95D1-DC4C83937139}" srcOrd="1" destOrd="0" presId="urn:microsoft.com/office/officeart/2005/8/layout/vProcess5"/>
+    <dgm:cxn modelId="{1E0F5C0D-EE37-1B4C-943A-6162CB1E2159}" type="presOf" srcId="{E50FB9C6-2446-2047-8929-9DAFD49E56AF}" destId="{4D25455D-C67A-1C4F-BB4D-FC72A3A282E7}" srcOrd="0" destOrd="0" presId="urn:microsoft.com/office/officeart/2005/8/layout/vProcess5"/>
     <dgm:cxn modelId="{69E404BF-BEE6-4447-B3A5-1095221D3020}" type="presOf" srcId="{5D2985FC-6F7B-1049-9FA8-536DED263B26}" destId="{8838D7D6-6CF3-F547-84B6-2B214BAB1DEE}" srcOrd="0" destOrd="0" presId="urn:microsoft.com/office/officeart/2005/8/layout/vProcess5"/>
-    <dgm:cxn modelId="{D2B96F92-9A1D-8F4D-A9AE-CB3E69037046}" type="presOf" srcId="{83C728A1-102A-5749-BD87-B2F9F148C495}" destId="{8C4D8EF2-F1EC-2F42-A9D1-BA3BE347BB0A}" srcOrd="1" destOrd="0" presId="urn:microsoft.com/office/officeart/2005/8/layout/vProcess5"/>
-    <dgm:cxn modelId="{7ADDBA70-6219-014C-A81F-D0E1F07ED375}" srcId="{13CEE797-EC25-2840-9E14-AF753D729B1C}" destId="{83C728A1-102A-5749-BD87-B2F9F148C495}" srcOrd="2" destOrd="0" parTransId="{44B35C72-E873-E34A-B1FC-9E30F1BF486A}" sibTransId="{36516714-8162-5144-A8CC-C0753DB82913}"/>
-    <dgm:cxn modelId="{B234DE61-9DB3-F34A-A7A0-86AA6D2A9DA3}" type="presOf" srcId="{85BDC32B-5805-7B47-936F-8C8A98BD538B}" destId="{083A12FC-7023-B14C-A7EC-F163188C9705}" srcOrd="0" destOrd="0" presId="urn:microsoft.com/office/officeart/2005/8/layout/vProcess5"/>
-    <dgm:cxn modelId="{A4AEDF06-7C20-0348-BF02-D84F0CD2CF54}" type="presOf" srcId="{41DA5D7B-4FE7-C141-BF0F-3E907BD2C294}" destId="{98725C2E-BE62-4E46-8006-EE42EF1B18DB}" srcOrd="1" destOrd="0" presId="urn:microsoft.com/office/officeart/2005/8/layout/vProcess5"/>
-    <dgm:cxn modelId="{1E816642-21D8-274F-B73F-4A5B3D21E7B9}" srcId="{13CEE797-EC25-2840-9E14-AF753D729B1C}" destId="{41DA5D7B-4FE7-C141-BF0F-3E907BD2C294}" srcOrd="0" destOrd="0" parTransId="{99C118E5-5D36-1045-A1A3-CB3D6FC81E0B}" sibTransId="{3D695AD3-EC58-6B4A-BE03-F0AF4A1414E7}"/>
     <dgm:cxn modelId="{F199BCB9-9C01-E348-B6A2-70FE3A0CB265}" type="presOf" srcId="{83C728A1-102A-5749-BD87-B2F9F148C495}" destId="{336B6967-A0CA-5241-AF04-3D67BBBC6615}" srcOrd="0" destOrd="0" presId="urn:microsoft.com/office/officeart/2005/8/layout/vProcess5"/>
-    <dgm:cxn modelId="{A973AF75-0C5F-B14B-829E-73CFE7E27D50}" type="presOf" srcId="{85BDC32B-5805-7B47-936F-8C8A98BD538B}" destId="{CC40DAA5-D126-2C4C-95D1-DC4C83937139}" srcOrd="1" destOrd="0" presId="urn:microsoft.com/office/officeart/2005/8/layout/vProcess5"/>
-    <dgm:cxn modelId="{B6048CC8-908E-3C42-833E-7B4BD958BE04}" srcId="{13CEE797-EC25-2840-9E14-AF753D729B1C}" destId="{E50FB9C6-2446-2047-8929-9DAFD49E56AF}" srcOrd="1" destOrd="0" parTransId="{442D992C-7699-AC4E-83FF-12C9AEE6B895}" sibTransId="{5D2985FC-6F7B-1049-9FA8-536DED263B26}"/>
-    <dgm:cxn modelId="{689CD42E-1B73-E74A-860E-C77359FEEDDF}" type="presOf" srcId="{E50FB9C6-2446-2047-8929-9DAFD49E56AF}" destId="{490DFFAC-55AC-C141-A42D-4F370348A7A0}" srcOrd="1" destOrd="0" presId="urn:microsoft.com/office/officeart/2005/8/layout/vProcess5"/>
-    <dgm:cxn modelId="{FF996C2A-5616-824F-B0AD-0B08DD54278B}" type="presOf" srcId="{3D695AD3-EC58-6B4A-BE03-F0AF4A1414E7}" destId="{EB647195-31B1-0148-9FC9-211F59EA83DA}" srcOrd="0" destOrd="0" presId="urn:microsoft.com/office/officeart/2005/8/layout/vProcess5"/>
-    <dgm:cxn modelId="{1E0F5C0D-EE37-1B4C-943A-6162CB1E2159}" type="presOf" srcId="{E50FB9C6-2446-2047-8929-9DAFD49E56AF}" destId="{4D25455D-C67A-1C4F-BB4D-FC72A3A282E7}" srcOrd="0" destOrd="0" presId="urn:microsoft.com/office/officeart/2005/8/layout/vProcess5"/>
-    <dgm:cxn modelId="{F0DC6922-D2D1-0048-A518-1A7452CDB9A8}" type="presOf" srcId="{41DA5D7B-4FE7-C141-BF0F-3E907BD2C294}" destId="{55E5ACA5-479B-3947-9AC0-E3E7A75094AB}" srcOrd="0" destOrd="0" presId="urn:microsoft.com/office/officeart/2005/8/layout/vProcess5"/>
     <dgm:cxn modelId="{F558A5BA-4B77-904B-B5C2-093252F7EC14}" type="presParOf" srcId="{884262D5-C7B5-DB4A-85CE-CA621DF18046}" destId="{A0AD5345-AF13-6F49-93AA-86B71E777619}" srcOrd="0" destOrd="0" presId="urn:microsoft.com/office/officeart/2005/8/layout/vProcess5"/>
     <dgm:cxn modelId="{E2D3F1F4-E847-1846-AD2E-4FCE17A33E7B}" type="presParOf" srcId="{884262D5-C7B5-DB4A-85CE-CA621DF18046}" destId="{55E5ACA5-479B-3947-9AC0-E3E7A75094AB}" srcOrd="1" destOrd="0" presId="urn:microsoft.com/office/officeart/2005/8/layout/vProcess5"/>
     <dgm:cxn modelId="{DD7C44E2-2FF1-B342-A717-9D1C22C65D93}" type="presParOf" srcId="{884262D5-C7B5-DB4A-85CE-CA621DF18046}" destId="{4D25455D-C67A-1C4F-BB4D-FC72A3A282E7}" srcOrd="2" destOrd="0" presId="urn:microsoft.com/office/officeart/2005/8/layout/vProcess5"/>
@@ -7895,7 +7895,7 @@
           <a:p>
             <a:fld id="{B86859C3-2692-784F-AC34-40A9E7B69405}" type="datetimeFigureOut">
               <a:rPr kumimoji="1" lang="zh-CN" altLang="en-US" smtClean="0"/>
-              <a:t>17/3/2</a:t>
+              <a:t>17/3/12</a:t>
             </a:fld>
             <a:endParaRPr kumimoji="1" lang="zh-CN" altLang="en-US"/>
           </a:p>
@@ -9832,7 +9832,7 @@
           <a:p>
             <a:fld id="{D7B12BEA-236C-5749-AF49-060B228B08C5}" type="datetimeFigureOut">
               <a:rPr kumimoji="1" lang="zh-CN" altLang="en-US" smtClean="0"/>
-              <a:t>17/3/2</a:t>
+              <a:t>17/3/12</a:t>
             </a:fld>
             <a:endParaRPr kumimoji="1" lang="zh-CN" altLang="en-US"/>
           </a:p>
@@ -10002,7 +10002,7 @@
           <a:p>
             <a:fld id="{D7B12BEA-236C-5749-AF49-060B228B08C5}" type="datetimeFigureOut">
               <a:rPr kumimoji="1" lang="zh-CN" altLang="en-US" smtClean="0"/>
-              <a:t>17/3/2</a:t>
+              <a:t>17/3/12</a:t>
             </a:fld>
             <a:endParaRPr kumimoji="1" lang="zh-CN" altLang="en-US"/>
           </a:p>
@@ -10182,7 +10182,7 @@
           <a:p>
             <a:fld id="{D7B12BEA-236C-5749-AF49-060B228B08C5}" type="datetimeFigureOut">
               <a:rPr kumimoji="1" lang="zh-CN" altLang="en-US" smtClean="0"/>
-              <a:t>17/3/2</a:t>
+              <a:t>17/3/12</a:t>
             </a:fld>
             <a:endParaRPr kumimoji="1" lang="zh-CN" altLang="en-US"/>
           </a:p>
@@ -10352,7 +10352,7 @@
           <a:p>
             <a:fld id="{D7B12BEA-236C-5749-AF49-060B228B08C5}" type="datetimeFigureOut">
               <a:rPr kumimoji="1" lang="zh-CN" altLang="en-US" smtClean="0"/>
-              <a:t>17/3/2</a:t>
+              <a:t>17/3/12</a:t>
             </a:fld>
             <a:endParaRPr kumimoji="1" lang="zh-CN" altLang="en-US"/>
           </a:p>
@@ -10598,7 +10598,7 @@
           <a:p>
             <a:fld id="{D7B12BEA-236C-5749-AF49-060B228B08C5}" type="datetimeFigureOut">
               <a:rPr kumimoji="1" lang="zh-CN" altLang="en-US" smtClean="0"/>
-              <a:t>17/3/2</a:t>
+              <a:t>17/3/12</a:t>
             </a:fld>
             <a:endParaRPr kumimoji="1" lang="zh-CN" altLang="en-US"/>
           </a:p>
@@ -10886,7 +10886,7 @@
           <a:p>
             <a:fld id="{D7B12BEA-236C-5749-AF49-060B228B08C5}" type="datetimeFigureOut">
               <a:rPr kumimoji="1" lang="zh-CN" altLang="en-US" smtClean="0"/>
-              <a:t>17/3/2</a:t>
+              <a:t>17/3/12</a:t>
             </a:fld>
             <a:endParaRPr kumimoji="1" lang="zh-CN" altLang="en-US"/>
           </a:p>
@@ -11308,7 +11308,7 @@
           <a:p>
             <a:fld id="{D7B12BEA-236C-5749-AF49-060B228B08C5}" type="datetimeFigureOut">
               <a:rPr kumimoji="1" lang="zh-CN" altLang="en-US" smtClean="0"/>
-              <a:t>17/3/2</a:t>
+              <a:t>17/3/12</a:t>
             </a:fld>
             <a:endParaRPr kumimoji="1" lang="zh-CN" altLang="en-US"/>
           </a:p>
@@ -11426,7 +11426,7 @@
           <a:p>
             <a:fld id="{D7B12BEA-236C-5749-AF49-060B228B08C5}" type="datetimeFigureOut">
               <a:rPr kumimoji="1" lang="zh-CN" altLang="en-US" smtClean="0"/>
-              <a:t>17/3/2</a:t>
+              <a:t>17/3/12</a:t>
             </a:fld>
             <a:endParaRPr kumimoji="1" lang="zh-CN" altLang="en-US"/>
           </a:p>
@@ -11521,7 +11521,7 @@
           <a:p>
             <a:fld id="{D7B12BEA-236C-5749-AF49-060B228B08C5}" type="datetimeFigureOut">
               <a:rPr kumimoji="1" lang="zh-CN" altLang="en-US" smtClean="0"/>
-              <a:t>17/3/2</a:t>
+              <a:t>17/3/12</a:t>
             </a:fld>
             <a:endParaRPr kumimoji="1" lang="zh-CN" altLang="en-US"/>
           </a:p>
@@ -11798,7 +11798,7 @@
           <a:p>
             <a:fld id="{D7B12BEA-236C-5749-AF49-060B228B08C5}" type="datetimeFigureOut">
               <a:rPr kumimoji="1" lang="zh-CN" altLang="en-US" smtClean="0"/>
-              <a:t>17/3/2</a:t>
+              <a:t>17/3/12</a:t>
             </a:fld>
             <a:endParaRPr kumimoji="1" lang="zh-CN" altLang="en-US"/>
           </a:p>
@@ -12051,7 +12051,7 @@
           <a:p>
             <a:fld id="{D7B12BEA-236C-5749-AF49-060B228B08C5}" type="datetimeFigureOut">
               <a:rPr kumimoji="1" lang="zh-CN" altLang="en-US" smtClean="0"/>
-              <a:t>17/3/2</a:t>
+              <a:t>17/3/12</a:t>
             </a:fld>
             <a:endParaRPr kumimoji="1" lang="zh-CN" altLang="en-US"/>
           </a:p>
@@ -12264,7 +12264,7 @@
           <a:p>
             <a:fld id="{D7B12BEA-236C-5749-AF49-060B228B08C5}" type="datetimeFigureOut">
               <a:rPr kumimoji="1" lang="zh-CN" altLang="en-US" smtClean="0"/>
-              <a:t>17/3/2</a:t>
+              <a:t>17/3/12</a:t>
             </a:fld>
             <a:endParaRPr kumimoji="1" lang="zh-CN" altLang="en-US"/>
           </a:p>
